--- a/ActiveNet Trainer/Courses/ActiveNet Orientation - Enrollment/Sample_Trainer_ActiveBWC_Enrollment.pptx
+++ b/ActiveNet Trainer/Courses/ActiveNet Orientation - Enrollment/Sample_Trainer_ActiveBWC_Enrollment.pptx
@@ -1057,11 +1057,7 @@
         <a:p>
           <a:r>
             <a:rPr lang="en-US" dirty="0" smtClean="0"/>
-            <a:t>Charles </a:t>
-          </a:r>
-          <a:r>
-            <a:rPr lang="en-US" dirty="0" err="1" smtClean="0"/>
-            <a:t>Balteria</a:t>
+            <a:t>Charles Balteria</a:t>
           </a:r>
           <a:endParaRPr lang="en-US" dirty="0"/>
         </a:p>
@@ -1209,11 +1205,7 @@
         <a:p>
           <a:r>
             <a:rPr lang="en-US" dirty="0" smtClean="0"/>
-            <a:t>Mike </a:t>
-          </a:r>
-          <a:r>
-            <a:rPr lang="en-US" dirty="0" err="1" smtClean="0"/>
-            <a:t>Bodman</a:t>
+            <a:t>Mike Bodman</a:t>
           </a:r>
           <a:endParaRPr lang="en-US" dirty="0"/>
         </a:p>
@@ -2188,11 +2180,7 @@
           </a:pPr>
           <a:r>
             <a:rPr lang="en-US" sz="2800" kern="1200" dirty="0" smtClean="0"/>
-            <a:t>Charles </a:t>
-          </a:r>
-          <a:r>
-            <a:rPr lang="en-US" sz="2800" kern="1200" dirty="0" err="1" smtClean="0"/>
-            <a:t>Balteria</a:t>
+            <a:t>Charles Balteria</a:t>
           </a:r>
           <a:endParaRPr lang="en-US" sz="2800" kern="1200" dirty="0"/>
         </a:p>
@@ -3080,11 +3068,7 @@
           </a:pPr>
           <a:r>
             <a:rPr lang="en-US" sz="2800" kern="1200" dirty="0" smtClean="0"/>
-            <a:t>Mike </a:t>
-          </a:r>
-          <a:r>
-            <a:rPr lang="en-US" sz="2800" kern="1200" dirty="0" err="1" smtClean="0"/>
-            <a:t>Bodman</a:t>
+            <a:t>Mike Bodman</a:t>
           </a:r>
           <a:endParaRPr lang="en-US" sz="2800" kern="1200" dirty="0"/>
         </a:p>
@@ -9178,9 +9162,9 @@
         <p:grpSpPr>
           <a:xfrm>
             <a:off x="4933749" y="3063923"/>
-            <a:ext cx="3804384" cy="1088046"/>
+            <a:ext cx="3804384" cy="1927365"/>
             <a:chOff x="298383" y="2088682"/>
-            <a:chExt cx="3080084" cy="1088046"/>
+            <a:chExt cx="3080084" cy="1927365"/>
           </a:xfrm>
         </p:grpSpPr>
         <p:sp>
@@ -9249,7 +9233,7 @@
           <p:spPr>
             <a:xfrm>
               <a:off x="298383" y="2454441"/>
-              <a:ext cx="3080084" cy="722287"/>
+              <a:ext cx="3080084" cy="1561606"/>
             </a:xfrm>
             <a:prstGeom prst="rect">
               <a:avLst/>
@@ -9287,11 +9271,19 @@
                     <a:schemeClr val="tx1"/>
                   </a:solidFill>
                 </a:rPr>
-                <a:t>In some cases, you may receive an alert concerning requirements for the course. If a participant is outside the course age range, there is a one-month buffer before explicit approval is provided to you from the course instructor.</a:t>
+                <a:t>In some cases, you may receive an alert concerning requirements for the course. If a participant is outside the course age range, there is a one-month </a:t>
+              </a:r>
+              <a:r>
+                <a:rPr lang="en-US" sz="1100" dirty="0" smtClean="0">
+                  <a:solidFill>
+                    <a:schemeClr val="tx1"/>
+                  </a:solidFill>
+                </a:rPr>
+                <a:t>buffer before you need permission from the course instructor or the course supervisor. See the next slide for a complete list of who to contact.</a:t>
               </a:r>
             </a:p>
             <a:p>
-              <a:endParaRPr lang="en-US" sz="600" dirty="0">
+              <a:endParaRPr lang="en-US" sz="600" dirty="0" smtClean="0">
                 <a:solidFill>
                   <a:schemeClr val="tx1"/>
                 </a:solidFill>
@@ -9299,12 +9291,20 @@
             </a:p>
             <a:p>
               <a:r>
+                <a:rPr lang="en-US" sz="1100" dirty="0" smtClean="0">
+                  <a:solidFill>
+                    <a:schemeClr val="tx1"/>
+                  </a:solidFill>
+                </a:rPr>
+                <a:t>If </a:t>
+              </a:r>
+              <a:r>
                 <a:rPr lang="en-US" sz="1100" dirty="0">
                   <a:solidFill>
                     <a:schemeClr val="tx1"/>
                   </a:solidFill>
                 </a:rPr>
-                <a:t>If the course is already full, you may not enroll the client in the activity. Instead, add their name to the waiting list and they will be called if a position opens.</a:t>
+                <a:t>the course is already full, you may not enroll the client in the activity. Instead, add their name to the waiting list and they will be called if a position opens.</a:t>
               </a:r>
             </a:p>
           </p:txBody>
@@ -9428,23 +9428,7 @@
                     <a:schemeClr val="tx1"/>
                   </a:solidFill>
                 </a:rPr>
-                <a:t>When a registrant requests a refund at least 10 city business days before the first class, they may opt to receive 50% refund by check or credit card OR a full credit to their </a:t>
-              </a:r>
-              <a:r>
-                <a:rPr lang="en-US" sz="1100" dirty="0" err="1">
-                  <a:solidFill>
-                    <a:schemeClr val="tx1"/>
-                  </a:solidFill>
-                </a:rPr>
-                <a:t>CarlsbadConnect</a:t>
-              </a:r>
-              <a:r>
-                <a:rPr lang="en-US" sz="1100" dirty="0">
-                  <a:solidFill>
-                    <a:schemeClr val="tx1"/>
-                  </a:solidFill>
-                </a:rPr>
-                <a:t> account.</a:t>
+                <a:t>When a registrant requests a refund at least 10 city business days before the first class, they may opt to receive 50% refund by check or credit card OR a full credit to their CarlsbadConnect account.</a:t>
               </a:r>
             </a:p>
             <a:p>
@@ -9585,8 +9569,13 @@
                     <a:schemeClr val="tx1"/>
                   </a:solidFill>
                 </a:rPr>
-                <a:t>Mid session, a patron has priority registration, if they are currently enrolled, up until a week prior to the first class. After, registration is open to the public. Priority week, the last week of priority, is 3 weeks after the start of the session.</a:t>
+                <a:t>Those currently enrolled in preschool have up until a week prior to the next class for priority registration; Registration opens to the public the week of the last session.</a:t>
               </a:r>
+              <a:endParaRPr lang="en-US" sz="1100" dirty="0">
+                <a:solidFill>
+                  <a:schemeClr val="tx1"/>
+                </a:solidFill>
+              </a:endParaRPr>
             </a:p>
           </p:txBody>
         </p:sp>
